--- a/materials/slides/ch09.pptx
+++ b/materials/slides/ch09.pptx
@@ -2044,7 +2044,6 @@
           <a:ln>
             <a:noFill/>
           </a:ln>
-          <a:extLst/>
         </p:spPr>
         <p:txBody>
           <a:bodyPr>
@@ -2264,7 +2263,6 @@
           <a:ln>
             <a:noFill/>
           </a:ln>
-          <a:extLst/>
         </p:spPr>
         <p:txBody>
           <a:bodyPr wrap="none" anchor="ctr"/>
@@ -2416,7 +2414,6 @@
           <a:ln>
             <a:noFill/>
           </a:ln>
-          <a:extLst/>
         </p:spPr>
         <p:txBody>
           <a:bodyPr wrap="none" anchor="ctr"/>
@@ -2564,7 +2561,6 @@
           <a:ln>
             <a:noFill/>
           </a:ln>
-          <a:extLst/>
         </p:spPr>
         <p:txBody>
           <a:bodyPr/>
@@ -4117,7 +4113,7 @@
               <a:pPr>
                 <a:defRPr/>
               </a:pPr>
-              <a:t>2018/3/15 Thursday</a:t>
+              <a:t>2019/7/16</a:t>
             </a:fld>
             <a:endParaRPr lang="zh-CN" altLang="en-US"/>
           </a:p>
@@ -4436,7 +4432,7 @@
               <a:pPr>
                 <a:defRPr/>
               </a:pPr>
-              <a:t>2018/3/15 Thursday</a:t>
+              <a:t>2019/7/16</a:t>
             </a:fld>
             <a:endParaRPr lang="zh-CN" altLang="en-US"/>
           </a:p>
@@ -5607,7 +5603,7 @@
                   <a:spcPts val="600"/>
                 </a:spcBef>
               </a:pPr>
-              <a:t>2018/3/15 Thursday</a:t>
+              <a:t>2019/7/16</a:t>
             </a:fld>
             <a:endParaRPr lang="zh-CN" altLang="en-US" sz="2400">
               <a:solidFill>
@@ -11115,7 +11111,6 @@
             <a:noFill/>
           </a:ln>
           <a:effectLst/>
-          <a:extLst/>
         </p:spPr>
         <p:txBody>
           <a:bodyPr wrap="none" anchor="ctr"/>
@@ -12240,6 +12235,11 @@
               <a:rPr lang="zh-CN" altLang="zh-CN" dirty="0"/>
               <a:t>更确切的说，关联规则通过量化的数字描述物品甲的出现对物品乙的出现有多大的影响。它的模式属于描述型模式，发现关联规则的算法属于无监督学习的方法。</a:t>
             </a:r>
+            <a:r>
+              <a:rPr lang="en-US" altLang="zh-CN"/>
+              <a:t> </a:t>
+            </a:r>
+            <a:endParaRPr lang="zh-CN" altLang="zh-CN" dirty="0"/>
           </a:p>
           <a:p>
             <a:r>

--- a/materials/slides/ch09.pptx
+++ b/materials/slides/ch09.pptx
@@ -2044,6 +2044,7 @@
           <a:ln>
             <a:noFill/>
           </a:ln>
+          <a:extLst/>
         </p:spPr>
         <p:txBody>
           <a:bodyPr>
@@ -2263,6 +2264,7 @@
           <a:ln>
             <a:noFill/>
           </a:ln>
+          <a:extLst/>
         </p:spPr>
         <p:txBody>
           <a:bodyPr wrap="none" anchor="ctr"/>
@@ -2414,6 +2416,7 @@
           <a:ln>
             <a:noFill/>
           </a:ln>
+          <a:extLst/>
         </p:spPr>
         <p:txBody>
           <a:bodyPr wrap="none" anchor="ctr"/>
@@ -2561,6 +2564,7 @@
           <a:ln>
             <a:noFill/>
           </a:ln>
+          <a:extLst/>
         </p:spPr>
         <p:txBody>
           <a:bodyPr/>
@@ -4113,7 +4117,7 @@
               <a:pPr>
                 <a:defRPr/>
               </a:pPr>
-              <a:t>2019/7/16</a:t>
+              <a:t>2018/3/15 Thursday</a:t>
             </a:fld>
             <a:endParaRPr lang="zh-CN" altLang="en-US"/>
           </a:p>
@@ -4432,7 +4436,7 @@
               <a:pPr>
                 <a:defRPr/>
               </a:pPr>
-              <a:t>2019/7/16</a:t>
+              <a:t>2018/3/15 Thursday</a:t>
             </a:fld>
             <a:endParaRPr lang="zh-CN" altLang="en-US"/>
           </a:p>
@@ -5603,7 +5607,7 @@
                   <a:spcPts val="600"/>
                 </a:spcBef>
               </a:pPr>
-              <a:t>2019/7/16</a:t>
+              <a:t>2018/3/15 Thursday</a:t>
             </a:fld>
             <a:endParaRPr lang="zh-CN" altLang="en-US" sz="2400">
               <a:solidFill>
@@ -11111,6 +11115,7 @@
             <a:noFill/>
           </a:ln>
           <a:effectLst/>
+          <a:extLst/>
         </p:spPr>
         <p:txBody>
           <a:bodyPr wrap="none" anchor="ctr"/>
@@ -12235,11 +12240,6 @@
               <a:rPr lang="zh-CN" altLang="zh-CN" dirty="0"/>
               <a:t>更确切的说，关联规则通过量化的数字描述物品甲的出现对物品乙的出现有多大的影响。它的模式属于描述型模式，发现关联规则的算法属于无监督学习的方法。</a:t>
             </a:r>
-            <a:r>
-              <a:rPr lang="en-US" altLang="zh-CN"/>
-              <a:t> </a:t>
-            </a:r>
-            <a:endParaRPr lang="zh-CN" altLang="zh-CN" dirty="0"/>
           </a:p>
           <a:p>
             <a:r>
